--- a/file/donate_id.pptx
+++ b/file/donate_id.pptx
@@ -18,14 +18,14 @@
   <p:notesSz cx="6858000" cy="9144000"/>
   <p:embeddedFontLst>
     <p:embeddedFont>
-      <p:font typeface="Muli Regular" charset="0"/>
+      <p:font typeface="Poppins Light" charset="0"/>
       <p:regular r:id="rId8"/>
       <p:bold r:id="rId9"/>
       <p:italic r:id="rId10"/>
       <p:boldItalic r:id="rId11"/>
     </p:embeddedFont>
     <p:embeddedFont>
-      <p:font typeface="Poppins Light" charset="0"/>
+      <p:font typeface="Muli Regular" charset="0"/>
       <p:regular r:id="rId12"/>
       <p:bold r:id="rId13"/>
       <p:italic r:id="rId14"/>
@@ -277,7 +277,7 @@
   </p:defaultTextStyle>
   <p:extLst>
     <p:ext uri="{EFAFB233-063F-42B5-8137-9DF3F51BA10A}">
-      <p15:sldGuideLst xmlns:p15="http://schemas.microsoft.com/office/powerpoint/2012/main" xmlns=""/>
+      <p15:sldGuideLst xmlns="" xmlns:p15="http://schemas.microsoft.com/office/powerpoint/2012/main"/>
     </p:ext>
   </p:extLst>
 </p:presentation>
@@ -2981,7 +2981,7 @@
           <p:cNvPr id="3" name="Google Shape;65;p14">
             <a:extLst>
               <a:ext uri="{FF2B5EF4-FFF2-40B4-BE49-F238E27FC236}">
-                <a16:creationId xmlns:a16="http://schemas.microsoft.com/office/drawing/2014/main" xmlns="" id="{8908EC18-9D25-4649-B1FD-1C9EC557B28B}"/>
+                <a16:creationId xmlns="" xmlns:a16="http://schemas.microsoft.com/office/drawing/2014/main" id="{8908EC18-9D25-4649-B1FD-1C9EC557B28B}"/>
               </a:ext>
             </a:extLst>
           </p:cNvPr>
@@ -3431,7 +3431,7 @@
           <p:cNvPr id="5" name="Google Shape;92;p18">
             <a:extLst>
               <a:ext uri="{FF2B5EF4-FFF2-40B4-BE49-F238E27FC236}">
-                <a16:creationId xmlns:a16="http://schemas.microsoft.com/office/drawing/2014/main" xmlns="" id="{ED4456BA-BE3C-4456-BD8D-38B254C9D935}"/>
+                <a16:creationId xmlns="" xmlns:a16="http://schemas.microsoft.com/office/drawing/2014/main" id="{ED4456BA-BE3C-4456-BD8D-38B254C9D935}"/>
               </a:ext>
             </a:extLst>
           </p:cNvPr>
@@ -4020,13 +4020,276 @@
           <a:p>
             <a:r>
               <a:rPr lang="id-ID" sz="4800" dirty="0" smtClean="0"/>
-              <a:t>Now We what to See how </a:t>
+              <a:t>Now We what to See how Our UI website </a:t>
             </a:r>
             <a:r>
               <a:rPr lang="id-ID" sz="4800" dirty="0" smtClean="0"/>
-              <a:t>Our UI website Works</a:t>
+              <a:t>Works on</a:t>
             </a:r>
+            <a:br>
+              <a:rPr lang="id-ID" sz="4800" dirty="0" smtClean="0"/>
+            </a:br>
             <a:endParaRPr lang="id-ID" sz="4800" dirty="0"/>
+          </a:p>
+        </p:txBody>
+      </p:sp>
+      <p:sp>
+        <p:nvSpPr>
+          <p:cNvPr id="3" name="Text Placeholder 1"/>
+          <p:cNvSpPr txBox="1">
+            <a:spLocks/>
+          </p:cNvSpPr>
+          <p:nvPr/>
+        </p:nvSpPr>
+        <p:spPr>
+          <a:xfrm>
+            <a:off x="671804" y="3088433"/>
+            <a:ext cx="5094514" cy="1173542"/>
+          </a:xfrm>
+          <a:prstGeom prst="rect">
+            <a:avLst/>
+          </a:prstGeom>
+        </p:spPr>
+        <p:txBody>
+          <a:bodyPr/>
+          <a:lstStyle>
+            <a:defPPr marR="0" lvl="0" algn="l" rtl="0">
+              <a:lnSpc>
+                <a:spcPct val="100000"/>
+              </a:lnSpc>
+              <a:spcBef>
+                <a:spcPts val="0"/>
+              </a:spcBef>
+              <a:spcAft>
+                <a:spcPts val="0"/>
+              </a:spcAft>
+            </a:defPPr>
+            <a:lvl1pPr marR="0" lvl="0" algn="l" rtl="0">
+              <a:lnSpc>
+                <a:spcPct val="100000"/>
+              </a:lnSpc>
+              <a:spcBef>
+                <a:spcPts val="0"/>
+              </a:spcBef>
+              <a:spcAft>
+                <a:spcPts val="0"/>
+              </a:spcAft>
+              <a:buClr>
+                <a:srgbClr val="000000"/>
+              </a:buClr>
+              <a:buFont typeface="Arial"/>
+              <a:defRPr sz="1400" b="0" i="0" u="none" strike="noStrike" cap="none">
+                <a:solidFill>
+                  <a:srgbClr val="000000"/>
+                </a:solidFill>
+                <a:latin typeface="Arial"/>
+                <a:ea typeface="Arial"/>
+                <a:cs typeface="Arial"/>
+                <a:sym typeface="Arial"/>
+              </a:defRPr>
+            </a:lvl1pPr>
+            <a:lvl2pPr marR="0" lvl="1" algn="l" rtl="0">
+              <a:lnSpc>
+                <a:spcPct val="100000"/>
+              </a:lnSpc>
+              <a:spcBef>
+                <a:spcPts val="0"/>
+              </a:spcBef>
+              <a:spcAft>
+                <a:spcPts val="0"/>
+              </a:spcAft>
+              <a:buClr>
+                <a:srgbClr val="000000"/>
+              </a:buClr>
+              <a:buFont typeface="Arial"/>
+              <a:defRPr sz="1400" b="0" i="0" u="none" strike="noStrike" cap="none">
+                <a:solidFill>
+                  <a:srgbClr val="000000"/>
+                </a:solidFill>
+                <a:latin typeface="Arial"/>
+                <a:ea typeface="Arial"/>
+                <a:cs typeface="Arial"/>
+                <a:sym typeface="Arial"/>
+              </a:defRPr>
+            </a:lvl2pPr>
+            <a:lvl3pPr marR="0" lvl="2" algn="l" rtl="0">
+              <a:lnSpc>
+                <a:spcPct val="100000"/>
+              </a:lnSpc>
+              <a:spcBef>
+                <a:spcPts val="0"/>
+              </a:spcBef>
+              <a:spcAft>
+                <a:spcPts val="0"/>
+              </a:spcAft>
+              <a:buClr>
+                <a:srgbClr val="000000"/>
+              </a:buClr>
+              <a:buFont typeface="Arial"/>
+              <a:defRPr sz="1400" b="0" i="0" u="none" strike="noStrike" cap="none">
+                <a:solidFill>
+                  <a:srgbClr val="000000"/>
+                </a:solidFill>
+                <a:latin typeface="Arial"/>
+                <a:ea typeface="Arial"/>
+                <a:cs typeface="Arial"/>
+                <a:sym typeface="Arial"/>
+              </a:defRPr>
+            </a:lvl3pPr>
+            <a:lvl4pPr marR="0" lvl="3" algn="l" rtl="0">
+              <a:lnSpc>
+                <a:spcPct val="100000"/>
+              </a:lnSpc>
+              <a:spcBef>
+                <a:spcPts val="0"/>
+              </a:spcBef>
+              <a:spcAft>
+                <a:spcPts val="0"/>
+              </a:spcAft>
+              <a:buClr>
+                <a:srgbClr val="000000"/>
+              </a:buClr>
+              <a:buFont typeface="Arial"/>
+              <a:defRPr sz="1400" b="0" i="0" u="none" strike="noStrike" cap="none">
+                <a:solidFill>
+                  <a:srgbClr val="000000"/>
+                </a:solidFill>
+                <a:latin typeface="Arial"/>
+                <a:ea typeface="Arial"/>
+                <a:cs typeface="Arial"/>
+                <a:sym typeface="Arial"/>
+              </a:defRPr>
+            </a:lvl4pPr>
+            <a:lvl5pPr marR="0" lvl="4" algn="l" rtl="0">
+              <a:lnSpc>
+                <a:spcPct val="100000"/>
+              </a:lnSpc>
+              <a:spcBef>
+                <a:spcPts val="0"/>
+              </a:spcBef>
+              <a:spcAft>
+                <a:spcPts val="0"/>
+              </a:spcAft>
+              <a:buClr>
+                <a:srgbClr val="000000"/>
+              </a:buClr>
+              <a:buFont typeface="Arial"/>
+              <a:defRPr sz="1400" b="0" i="0" u="none" strike="noStrike" cap="none">
+                <a:solidFill>
+                  <a:srgbClr val="000000"/>
+                </a:solidFill>
+                <a:latin typeface="Arial"/>
+                <a:ea typeface="Arial"/>
+                <a:cs typeface="Arial"/>
+                <a:sym typeface="Arial"/>
+              </a:defRPr>
+            </a:lvl5pPr>
+            <a:lvl6pPr marR="0" lvl="5" algn="l" rtl="0">
+              <a:lnSpc>
+                <a:spcPct val="100000"/>
+              </a:lnSpc>
+              <a:spcBef>
+                <a:spcPts val="0"/>
+              </a:spcBef>
+              <a:spcAft>
+                <a:spcPts val="0"/>
+              </a:spcAft>
+              <a:buClr>
+                <a:srgbClr val="000000"/>
+              </a:buClr>
+              <a:buFont typeface="Arial"/>
+              <a:defRPr sz="1400" b="0" i="0" u="none" strike="noStrike" cap="none">
+                <a:solidFill>
+                  <a:srgbClr val="000000"/>
+                </a:solidFill>
+                <a:latin typeface="Arial"/>
+                <a:ea typeface="Arial"/>
+                <a:cs typeface="Arial"/>
+                <a:sym typeface="Arial"/>
+              </a:defRPr>
+            </a:lvl6pPr>
+            <a:lvl7pPr marR="0" lvl="6" algn="l" rtl="0">
+              <a:lnSpc>
+                <a:spcPct val="100000"/>
+              </a:lnSpc>
+              <a:spcBef>
+                <a:spcPts val="0"/>
+              </a:spcBef>
+              <a:spcAft>
+                <a:spcPts val="0"/>
+              </a:spcAft>
+              <a:buClr>
+                <a:srgbClr val="000000"/>
+              </a:buClr>
+              <a:buFont typeface="Arial"/>
+              <a:defRPr sz="1400" b="0" i="0" u="none" strike="noStrike" cap="none">
+                <a:solidFill>
+                  <a:srgbClr val="000000"/>
+                </a:solidFill>
+                <a:latin typeface="Arial"/>
+                <a:ea typeface="Arial"/>
+                <a:cs typeface="Arial"/>
+                <a:sym typeface="Arial"/>
+              </a:defRPr>
+            </a:lvl7pPr>
+            <a:lvl8pPr marR="0" lvl="7" algn="l" rtl="0">
+              <a:lnSpc>
+                <a:spcPct val="100000"/>
+              </a:lnSpc>
+              <a:spcBef>
+                <a:spcPts val="0"/>
+              </a:spcBef>
+              <a:spcAft>
+                <a:spcPts val="0"/>
+              </a:spcAft>
+              <a:buClr>
+                <a:srgbClr val="000000"/>
+              </a:buClr>
+              <a:buFont typeface="Arial"/>
+              <a:defRPr sz="1400" b="0" i="0" u="none" strike="noStrike" cap="none">
+                <a:solidFill>
+                  <a:srgbClr val="000000"/>
+                </a:solidFill>
+                <a:latin typeface="Arial"/>
+                <a:ea typeface="Arial"/>
+                <a:cs typeface="Arial"/>
+                <a:sym typeface="Arial"/>
+              </a:defRPr>
+            </a:lvl8pPr>
+            <a:lvl9pPr marR="0" lvl="8" algn="l" rtl="0">
+              <a:lnSpc>
+                <a:spcPct val="100000"/>
+              </a:lnSpc>
+              <a:spcBef>
+                <a:spcPts val="0"/>
+              </a:spcBef>
+              <a:spcAft>
+                <a:spcPts val="0"/>
+              </a:spcAft>
+              <a:buClr>
+                <a:srgbClr val="000000"/>
+              </a:buClr>
+              <a:buFont typeface="Arial"/>
+              <a:defRPr sz="1400" b="0" i="0" u="none" strike="noStrike" cap="none">
+                <a:solidFill>
+                  <a:srgbClr val="000000"/>
+                </a:solidFill>
+                <a:latin typeface="Arial"/>
+                <a:ea typeface="Arial"/>
+                <a:cs typeface="Arial"/>
+                <a:sym typeface="Arial"/>
+              </a:defRPr>
+            </a:lvl9pPr>
+          </a:lstStyle>
+          <a:p>
+            <a:pPr marL="25400"/>
+            <a:r>
+              <a:rPr lang="id-ID" sz="2000" dirty="0">
+                <a:hlinkClick r:id="rId2"/>
+              </a:rPr>
+              <a:t>https://aerunisa.github.io/WebResponsive_SM4PJ2/Home.html#</a:t>
+            </a:r>
+            <a:endParaRPr lang="id-ID" sz="2000" dirty="0"/>
           </a:p>
         </p:txBody>
       </p:sp>
